--- a/Lesson 02/Lesson 02 - Inputs.pptx
+++ b/Lesson 02/Lesson 02 - Inputs.pptx
@@ -12,6 +12,8 @@
     <p:sldId id="260" r:id="rId6"/>
     <p:sldId id="261" r:id="rId7"/>
     <p:sldId id="262" r:id="rId8"/>
+    <p:sldId id="263" r:id="rId9"/>
+    <p:sldId id="264" r:id="rId10"/>
   </p:sldIdLst>
   <p:sldSz cx="12192000" cy="6858000"/>
   <p:notesSz cx="6858000" cy="9144000"/>
@@ -4079,10 +4081,280 @@
           </a:p>
         </p:txBody>
       </p:sp>
+      <p:pic>
+        <p:nvPicPr>
+          <p:cNvPr id="4" name="Picture 3">
+            <a:extLst>
+              <a:ext uri="{FF2B5EF4-FFF2-40B4-BE49-F238E27FC236}">
+                <a16:creationId xmlns:a16="http://schemas.microsoft.com/office/drawing/2014/main" id="{3DFBB359-730D-4C21-91EA-EBF8D796ECB0}"/>
+              </a:ext>
+            </a:extLst>
+          </p:cNvPr>
+          <p:cNvPicPr>
+            <a:picLocks noChangeAspect="1"/>
+          </p:cNvPicPr>
+          <p:nvPr/>
+        </p:nvPicPr>
+        <p:blipFill>
+          <a:blip r:embed="rId2"/>
+          <a:stretch>
+            <a:fillRect/>
+          </a:stretch>
+        </p:blipFill>
+        <p:spPr>
+          <a:xfrm>
+            <a:off x="3869268" y="167605"/>
+            <a:ext cx="6991350" cy="2781300"/>
+          </a:xfrm>
+          <a:prstGeom prst="rect">
+            <a:avLst/>
+          </a:prstGeom>
+        </p:spPr>
+      </p:pic>
+      <p:pic>
+        <p:nvPicPr>
+          <p:cNvPr id="5" name="Picture 4">
+            <a:extLst>
+              <a:ext uri="{FF2B5EF4-FFF2-40B4-BE49-F238E27FC236}">
+                <a16:creationId xmlns:a16="http://schemas.microsoft.com/office/drawing/2014/main" id="{F664437C-20FB-4080-865C-4589FA325320}"/>
+              </a:ext>
+            </a:extLst>
+          </p:cNvPr>
+          <p:cNvPicPr>
+            <a:picLocks noChangeAspect="1"/>
+          </p:cNvPicPr>
+          <p:nvPr/>
+        </p:nvPicPr>
+        <p:blipFill>
+          <a:blip r:embed="rId3"/>
+          <a:stretch>
+            <a:fillRect/>
+          </a:stretch>
+        </p:blipFill>
+        <p:spPr>
+          <a:xfrm>
+            <a:off x="5236105" y="4743945"/>
+            <a:ext cx="4581525" cy="981075"/>
+          </a:xfrm>
+          <a:prstGeom prst="rect">
+            <a:avLst/>
+          </a:prstGeom>
+        </p:spPr>
+      </p:pic>
     </p:spTree>
     <p:extLst>
       <p:ext uri="{BB962C8B-B14F-4D97-AF65-F5344CB8AC3E}">
         <p14:creationId xmlns:p14="http://schemas.microsoft.com/office/powerpoint/2010/main" val="268399202"/>
+      </p:ext>
+    </p:extLst>
+  </p:cSld>
+  <p:clrMapOvr>
+    <a:masterClrMapping/>
+  </p:clrMapOvr>
+</p:sld>
+</file>
+
+<file path=ppt/slides/slide8.xml><?xml version="1.0" encoding="utf-8"?>
+<p:sld xmlns:a="http://schemas.openxmlformats.org/drawingml/2006/main" xmlns:r="http://schemas.openxmlformats.org/officeDocument/2006/relationships" xmlns:p="http://schemas.openxmlformats.org/presentationml/2006/main">
+  <p:cSld>
+    <p:spTree>
+      <p:nvGrpSpPr>
+        <p:cNvPr id="1" name=""/>
+        <p:cNvGrpSpPr/>
+        <p:nvPr/>
+      </p:nvGrpSpPr>
+      <p:grpSpPr>
+        <a:xfrm>
+          <a:off x="0" y="0"/>
+          <a:ext cx="0" cy="0"/>
+          <a:chOff x="0" y="0"/>
+          <a:chExt cx="0" cy="0"/>
+        </a:xfrm>
+      </p:grpSpPr>
+      <p:sp>
+        <p:nvSpPr>
+          <p:cNvPr id="2" name="Title 1">
+            <a:extLst>
+              <a:ext uri="{FF2B5EF4-FFF2-40B4-BE49-F238E27FC236}">
+                <a16:creationId xmlns:a16="http://schemas.microsoft.com/office/drawing/2014/main" id="{67D86223-F52E-47FF-89A1-B487CF91FA98}"/>
+              </a:ext>
+            </a:extLst>
+          </p:cNvPr>
+          <p:cNvSpPr>
+            <a:spLocks noGrp="1"/>
+          </p:cNvSpPr>
+          <p:nvPr>
+            <p:ph type="title"/>
+          </p:nvPr>
+        </p:nvSpPr>
+        <p:spPr/>
+        <p:txBody>
+          <a:bodyPr/>
+          <a:lstStyle/>
+          <a:p>
+            <a:r>
+              <a:rPr lang="en-US" dirty="0"/>
+              <a:t>Different user inputs</a:t>
+            </a:r>
+          </a:p>
+        </p:txBody>
+      </p:sp>
+      <p:sp>
+        <p:nvSpPr>
+          <p:cNvPr id="3" name="Content Placeholder 2">
+            <a:extLst>
+              <a:ext uri="{FF2B5EF4-FFF2-40B4-BE49-F238E27FC236}">
+                <a16:creationId xmlns:a16="http://schemas.microsoft.com/office/drawing/2014/main" id="{DD921938-A24A-44BC-99D8-6EE72295B782}"/>
+              </a:ext>
+            </a:extLst>
+          </p:cNvPr>
+          <p:cNvSpPr>
+            <a:spLocks noGrp="1"/>
+          </p:cNvSpPr>
+          <p:nvPr>
+            <p:ph idx="1"/>
+          </p:nvPr>
+        </p:nvSpPr>
+        <p:spPr/>
+        <p:txBody>
+          <a:bodyPr/>
+          <a:lstStyle/>
+          <a:p>
+            <a:r>
+              <a:rPr lang="en-US" dirty="0"/>
+              <a:t>So far we have been mainly using String, but Scanner can also take numbers in</a:t>
+            </a:r>
+          </a:p>
+          <a:p>
+            <a:r>
+              <a:rPr lang="en-US" dirty="0"/>
+              <a:t>We just need to change the method that we attach to the Scanner</a:t>
+            </a:r>
+          </a:p>
+        </p:txBody>
+      </p:sp>
+    </p:spTree>
+    <p:extLst>
+      <p:ext uri="{BB962C8B-B14F-4D97-AF65-F5344CB8AC3E}">
+        <p14:creationId xmlns:p14="http://schemas.microsoft.com/office/powerpoint/2010/main" val="805742553"/>
+      </p:ext>
+    </p:extLst>
+  </p:cSld>
+  <p:clrMapOvr>
+    <a:masterClrMapping/>
+  </p:clrMapOvr>
+</p:sld>
+</file>
+
+<file path=ppt/slides/slide9.xml><?xml version="1.0" encoding="utf-8"?>
+<p:sld xmlns:a="http://schemas.openxmlformats.org/drawingml/2006/main" xmlns:r="http://schemas.openxmlformats.org/officeDocument/2006/relationships" xmlns:p="http://schemas.openxmlformats.org/presentationml/2006/main">
+  <p:cSld>
+    <p:spTree>
+      <p:nvGrpSpPr>
+        <p:cNvPr id="1" name=""/>
+        <p:cNvGrpSpPr/>
+        <p:nvPr/>
+      </p:nvGrpSpPr>
+      <p:grpSpPr>
+        <a:xfrm>
+          <a:off x="0" y="0"/>
+          <a:ext cx="0" cy="0"/>
+          <a:chOff x="0" y="0"/>
+          <a:chExt cx="0" cy="0"/>
+        </a:xfrm>
+      </p:grpSpPr>
+      <p:sp>
+        <p:nvSpPr>
+          <p:cNvPr id="2" name="Title 1">
+            <a:extLst>
+              <a:ext uri="{FF2B5EF4-FFF2-40B4-BE49-F238E27FC236}">
+                <a16:creationId xmlns:a16="http://schemas.microsoft.com/office/drawing/2014/main" id="{3B91E9A5-225B-4151-9400-10E4B54EFD74}"/>
+              </a:ext>
+            </a:extLst>
+          </p:cNvPr>
+          <p:cNvSpPr>
+            <a:spLocks noGrp="1"/>
+          </p:cNvSpPr>
+          <p:nvPr>
+            <p:ph type="title"/>
+          </p:nvPr>
+        </p:nvSpPr>
+        <p:spPr/>
+        <p:txBody>
+          <a:bodyPr/>
+          <a:lstStyle/>
+          <a:p>
+            <a:r>
+              <a:rPr lang="en-US" dirty="0"/>
+              <a:t>Different user inputs</a:t>
+            </a:r>
+          </a:p>
+        </p:txBody>
+      </p:sp>
+      <p:pic>
+        <p:nvPicPr>
+          <p:cNvPr id="3" name="Picture 2">
+            <a:extLst>
+              <a:ext uri="{FF2B5EF4-FFF2-40B4-BE49-F238E27FC236}">
+                <a16:creationId xmlns:a16="http://schemas.microsoft.com/office/drawing/2014/main" id="{8F36044D-71A1-4FAE-B6BD-D5A2EB2F1CDC}"/>
+              </a:ext>
+            </a:extLst>
+          </p:cNvPr>
+          <p:cNvPicPr>
+            <a:picLocks noChangeAspect="1"/>
+          </p:cNvPicPr>
+          <p:nvPr/>
+        </p:nvPicPr>
+        <p:blipFill>
+          <a:blip r:embed="rId2"/>
+          <a:stretch>
+            <a:fillRect/>
+          </a:stretch>
+        </p:blipFill>
+        <p:spPr>
+          <a:xfrm>
+            <a:off x="3567855" y="181455"/>
+            <a:ext cx="6381750" cy="4448175"/>
+          </a:xfrm>
+          <a:prstGeom prst="rect">
+            <a:avLst/>
+          </a:prstGeom>
+        </p:spPr>
+      </p:pic>
+      <p:pic>
+        <p:nvPicPr>
+          <p:cNvPr id="4" name="Picture 3">
+            <a:extLst>
+              <a:ext uri="{FF2B5EF4-FFF2-40B4-BE49-F238E27FC236}">
+                <a16:creationId xmlns:a16="http://schemas.microsoft.com/office/drawing/2014/main" id="{821A4066-0D96-4D8A-ABFA-207640A9B2AC}"/>
+              </a:ext>
+            </a:extLst>
+          </p:cNvPr>
+          <p:cNvPicPr>
+            <a:picLocks noChangeAspect="1"/>
+          </p:cNvPicPr>
+          <p:nvPr/>
+        </p:nvPicPr>
+        <p:blipFill>
+          <a:blip r:embed="rId3"/>
+          <a:stretch>
+            <a:fillRect/>
+          </a:stretch>
+        </p:blipFill>
+        <p:spPr>
+          <a:xfrm>
+            <a:off x="6840915" y="4751970"/>
+            <a:ext cx="4600575" cy="1800225"/>
+          </a:xfrm>
+          <a:prstGeom prst="rect">
+            <a:avLst/>
+          </a:prstGeom>
+        </p:spPr>
+      </p:pic>
+    </p:spTree>
+    <p:extLst>
+      <p:ext uri="{BB962C8B-B14F-4D97-AF65-F5344CB8AC3E}">
+        <p14:creationId xmlns:p14="http://schemas.microsoft.com/office/powerpoint/2010/main" val="1149156158"/>
       </p:ext>
     </p:extLst>
   </p:cSld>
